--- a/git_worktree.pptx
+++ b/git_worktree.pptx
@@ -8,6 +8,8 @@
     <p:sldId id="256" r:id="rId2"/>
     <p:sldId id="257" r:id="rId3"/>
     <p:sldId id="258" r:id="rId4"/>
+    <p:sldId id="259" r:id="rId5"/>
+    <p:sldId id="260" r:id="rId6"/>
   </p:sldIdLst>
   <p:sldSz cx="12192000" cy="6858000"/>
   <p:notesSz cx="6858000" cy="9144000"/>
@@ -106,6 +108,11 @@
       </a:defRPr>
     </a:lvl9pPr>
   </p:defaultTextStyle>
+  <p:extLst>
+    <p:ext uri="{EFAFB233-063F-42B5-8137-9DF3F51BA10A}">
+      <p15:sldGuideLst xmlns:p15="http://schemas.microsoft.com/office/powerpoint/2012/main"/>
+    </p:ext>
+  </p:extLst>
 </p:presentation>
 </file>
 
@@ -258,7 +265,7 @@
           <a:p>
             <a:fld id="{6E1A8973-3A08-FF44-84E8-26C360FD4EBA}" type="datetimeFigureOut">
               <a:rPr lang="en-US" smtClean="0"/>
-              <a:t>1/12/21</a:t>
+              <a:t>1/12/2021</a:t>
             </a:fld>
             <a:endParaRPr lang="en-US"/>
           </a:p>
@@ -458,7 +465,7 @@
           <a:p>
             <a:fld id="{6E1A8973-3A08-FF44-84E8-26C360FD4EBA}" type="datetimeFigureOut">
               <a:rPr lang="en-US" smtClean="0"/>
-              <a:t>1/12/21</a:t>
+              <a:t>1/12/2021</a:t>
             </a:fld>
             <a:endParaRPr lang="en-US"/>
           </a:p>
@@ -668,7 +675,7 @@
           <a:p>
             <a:fld id="{6E1A8973-3A08-FF44-84E8-26C360FD4EBA}" type="datetimeFigureOut">
               <a:rPr lang="en-US" smtClean="0"/>
-              <a:t>1/12/21</a:t>
+              <a:t>1/12/2021</a:t>
             </a:fld>
             <a:endParaRPr lang="en-US"/>
           </a:p>
@@ -868,7 +875,7 @@
           <a:p>
             <a:fld id="{6E1A8973-3A08-FF44-84E8-26C360FD4EBA}" type="datetimeFigureOut">
               <a:rPr lang="en-US" smtClean="0"/>
-              <a:t>1/12/21</a:t>
+              <a:t>1/12/2021</a:t>
             </a:fld>
             <a:endParaRPr lang="en-US"/>
           </a:p>
@@ -1144,7 +1151,7 @@
           <a:p>
             <a:fld id="{6E1A8973-3A08-FF44-84E8-26C360FD4EBA}" type="datetimeFigureOut">
               <a:rPr lang="en-US" smtClean="0"/>
-              <a:t>1/12/21</a:t>
+              <a:t>1/12/2021</a:t>
             </a:fld>
             <a:endParaRPr lang="en-US"/>
           </a:p>
@@ -1412,7 +1419,7 @@
           <a:p>
             <a:fld id="{6E1A8973-3A08-FF44-84E8-26C360FD4EBA}" type="datetimeFigureOut">
               <a:rPr lang="en-US" smtClean="0"/>
-              <a:t>1/12/21</a:t>
+              <a:t>1/12/2021</a:t>
             </a:fld>
             <a:endParaRPr lang="en-US"/>
           </a:p>
@@ -1827,7 +1834,7 @@
           <a:p>
             <a:fld id="{6E1A8973-3A08-FF44-84E8-26C360FD4EBA}" type="datetimeFigureOut">
               <a:rPr lang="en-US" smtClean="0"/>
-              <a:t>1/12/21</a:t>
+              <a:t>1/12/2021</a:t>
             </a:fld>
             <a:endParaRPr lang="en-US"/>
           </a:p>
@@ -1969,7 +1976,7 @@
           <a:p>
             <a:fld id="{6E1A8973-3A08-FF44-84E8-26C360FD4EBA}" type="datetimeFigureOut">
               <a:rPr lang="en-US" smtClean="0"/>
-              <a:t>1/12/21</a:t>
+              <a:t>1/12/2021</a:t>
             </a:fld>
             <a:endParaRPr lang="en-US"/>
           </a:p>
@@ -2082,7 +2089,7 @@
           <a:p>
             <a:fld id="{6E1A8973-3A08-FF44-84E8-26C360FD4EBA}" type="datetimeFigureOut">
               <a:rPr lang="en-US" smtClean="0"/>
-              <a:t>1/12/21</a:t>
+              <a:t>1/12/2021</a:t>
             </a:fld>
             <a:endParaRPr lang="en-US"/>
           </a:p>
@@ -2395,7 +2402,7 @@
           <a:p>
             <a:fld id="{6E1A8973-3A08-FF44-84E8-26C360FD4EBA}" type="datetimeFigureOut">
               <a:rPr lang="en-US" smtClean="0"/>
-              <a:t>1/12/21</a:t>
+              <a:t>1/12/2021</a:t>
             </a:fld>
             <a:endParaRPr lang="en-US"/>
           </a:p>
@@ -2684,7 +2691,7 @@
           <a:p>
             <a:fld id="{6E1A8973-3A08-FF44-84E8-26C360FD4EBA}" type="datetimeFigureOut">
               <a:rPr lang="en-US" smtClean="0"/>
-              <a:t>1/12/21</a:t>
+              <a:t>1/12/2021</a:t>
             </a:fld>
             <a:endParaRPr lang="en-US"/>
           </a:p>
@@ -2927,7 +2934,7 @@
           <a:p>
             <a:fld id="{6E1A8973-3A08-FF44-84E8-26C360FD4EBA}" type="datetimeFigureOut">
               <a:rPr lang="en-US" smtClean="0"/>
-              <a:t>1/12/21</a:t>
+              <a:t>1/12/2021</a:t>
             </a:fld>
             <a:endParaRPr lang="en-US"/>
           </a:p>
@@ -3766,6 +3773,237 @@
 </p:sld>
 </file>
 
+<file path=ppt/slides/slide4.xml><?xml version="1.0" encoding="utf-8"?>
+<p:sld xmlns:a="http://schemas.openxmlformats.org/drawingml/2006/main" xmlns:r="http://schemas.openxmlformats.org/officeDocument/2006/relationships" xmlns:p="http://schemas.openxmlformats.org/presentationml/2006/main">
+  <p:cSld>
+    <p:spTree>
+      <p:nvGrpSpPr>
+        <p:cNvPr id="1" name=""/>
+        <p:cNvGrpSpPr/>
+        <p:nvPr/>
+      </p:nvGrpSpPr>
+      <p:grpSpPr>
+        <a:xfrm>
+          <a:off x="0" y="0"/>
+          <a:ext cx="0" cy="0"/>
+          <a:chOff x="0" y="0"/>
+          <a:chExt cx="0" cy="0"/>
+        </a:xfrm>
+      </p:grpSpPr>
+      <p:sp>
+        <p:nvSpPr>
+          <p:cNvPr id="2" name="Title 1"/>
+          <p:cNvSpPr>
+            <a:spLocks noGrp="1"/>
+          </p:cNvSpPr>
+          <p:nvPr>
+            <p:ph type="title"/>
+          </p:nvPr>
+        </p:nvSpPr>
+        <p:spPr/>
+        <p:txBody>
+          <a:bodyPr/>
+          <a:lstStyle/>
+          <a:p>
+            <a:r>
+              <a:rPr lang="en-US" dirty="0" err="1" smtClean="0"/>
+              <a:t>git</a:t>
+            </a:r>
+            <a:r>
+              <a:rPr lang="en-US" dirty="0" smtClean="0"/>
+              <a:t> </a:t>
+            </a:r>
+            <a:r>
+              <a:rPr lang="en-US" dirty="0" err="1"/>
+              <a:t>w</a:t>
+            </a:r>
+            <a:r>
+              <a:rPr lang="en-US" dirty="0" err="1" smtClean="0"/>
+              <a:t>orktree</a:t>
+            </a:r>
+            <a:r>
+              <a:rPr lang="en-US" dirty="0" smtClean="0"/>
+              <a:t> add   </a:t>
+            </a:r>
+            <a:endParaRPr lang="en-US" dirty="0"/>
+          </a:p>
+        </p:txBody>
+      </p:sp>
+      <p:sp>
+        <p:nvSpPr>
+          <p:cNvPr id="5" name="Content Placeholder 4"/>
+          <p:cNvSpPr>
+            <a:spLocks noGrp="1"/>
+          </p:cNvSpPr>
+          <p:nvPr>
+            <p:ph idx="1"/>
+          </p:nvPr>
+        </p:nvSpPr>
+        <p:spPr/>
+        <p:txBody>
+          <a:bodyPr/>
+          <a:lstStyle/>
+          <a:p>
+            <a:r>
+              <a:rPr lang="en-US" dirty="0" smtClean="0"/>
+              <a:t>This command is used to create a new </a:t>
+            </a:r>
+            <a:r>
+              <a:rPr lang="en-US" dirty="0" err="1" smtClean="0"/>
+              <a:t>worktree</a:t>
+            </a:r>
+            <a:r>
+              <a:rPr lang="en-US" dirty="0" smtClean="0"/>
+              <a:t> in repository .</a:t>
+            </a:r>
+          </a:p>
+          <a:p>
+            <a:r>
+              <a:rPr lang="en-US" dirty="0" err="1" smtClean="0"/>
+              <a:t>Git</a:t>
+            </a:r>
+            <a:r>
+              <a:rPr lang="en-US" dirty="0"/>
+              <a:t> </a:t>
+            </a:r>
+            <a:r>
+              <a:rPr lang="en-US" dirty="0" err="1" smtClean="0"/>
+              <a:t>worktree</a:t>
+            </a:r>
+            <a:r>
+              <a:rPr lang="en-US" dirty="0" smtClean="0"/>
+              <a:t> add </a:t>
+            </a:r>
+            <a:r>
+              <a:rPr lang="en-US" dirty="0" err="1" smtClean="0"/>
+              <a:t>new_worktree</a:t>
+            </a:r>
+            <a:r>
+              <a:rPr lang="en-US" dirty="0" smtClean="0"/>
+              <a:t>  </a:t>
+            </a:r>
+            <a:r>
+              <a:rPr lang="en-US" dirty="0" err="1" smtClean="0"/>
+              <a:t>branch_name</a:t>
+            </a:r>
+            <a:endParaRPr lang="en-US" dirty="0" smtClean="0"/>
+          </a:p>
+          <a:p>
+            <a:endParaRPr lang="en-US" dirty="0"/>
+          </a:p>
+        </p:txBody>
+      </p:sp>
+      <p:pic>
+        <p:nvPicPr>
+          <p:cNvPr id="6" name="Content Placeholder 3"/>
+          <p:cNvPicPr>
+            <a:picLocks noChangeAspect="1"/>
+          </p:cNvPicPr>
+          <p:nvPr/>
+        </p:nvPicPr>
+        <p:blipFill>
+          <a:blip r:embed="rId2">
+            <a:extLst>
+              <a:ext uri="{28A0092B-C50C-407E-A947-70E740481C1C}">
+                <a14:useLocalDpi xmlns:a14="http://schemas.microsoft.com/office/drawing/2010/main" val="0"/>
+              </a:ext>
+            </a:extLst>
+          </a:blip>
+          <a:stretch>
+            <a:fillRect/>
+          </a:stretch>
+        </p:blipFill>
+        <p:spPr>
+          <a:xfrm>
+            <a:off x="1814945" y="3620241"/>
+            <a:ext cx="6557847" cy="2240232"/>
+          </a:xfrm>
+          <a:prstGeom prst="rect">
+            <a:avLst/>
+          </a:prstGeom>
+        </p:spPr>
+      </p:pic>
+    </p:spTree>
+    <p:extLst>
+      <p:ext uri="{BB962C8B-B14F-4D97-AF65-F5344CB8AC3E}">
+        <p14:creationId xmlns:p14="http://schemas.microsoft.com/office/powerpoint/2010/main" val="1985614971"/>
+      </p:ext>
+    </p:extLst>
+  </p:cSld>
+  <p:clrMapOvr>
+    <a:masterClrMapping/>
+  </p:clrMapOvr>
+</p:sld>
+</file>
+
+<file path=ppt/slides/slide5.xml><?xml version="1.0" encoding="utf-8"?>
+<p:sld xmlns:a="http://schemas.openxmlformats.org/drawingml/2006/main" xmlns:r="http://schemas.openxmlformats.org/officeDocument/2006/relationships" xmlns:p="http://schemas.openxmlformats.org/presentationml/2006/main">
+  <p:cSld>
+    <p:spTree>
+      <p:nvGrpSpPr>
+        <p:cNvPr id="1" name=""/>
+        <p:cNvGrpSpPr/>
+        <p:nvPr/>
+      </p:nvGrpSpPr>
+      <p:grpSpPr>
+        <a:xfrm>
+          <a:off x="0" y="0"/>
+          <a:ext cx="0" cy="0"/>
+          <a:chOff x="0" y="0"/>
+          <a:chExt cx="0" cy="0"/>
+        </a:xfrm>
+      </p:grpSpPr>
+      <p:sp>
+        <p:nvSpPr>
+          <p:cNvPr id="2" name="Title 1"/>
+          <p:cNvSpPr>
+            <a:spLocks noGrp="1"/>
+          </p:cNvSpPr>
+          <p:nvPr>
+            <p:ph type="title"/>
+          </p:nvPr>
+        </p:nvSpPr>
+        <p:spPr/>
+        <p:txBody>
+          <a:bodyPr/>
+          <a:lstStyle/>
+          <a:p>
+            <a:endParaRPr lang="en-US" dirty="0"/>
+          </a:p>
+        </p:txBody>
+      </p:sp>
+      <p:sp>
+        <p:nvSpPr>
+          <p:cNvPr id="5" name="Content Placeholder 4"/>
+          <p:cNvSpPr>
+            <a:spLocks noGrp="1"/>
+          </p:cNvSpPr>
+          <p:nvPr>
+            <p:ph idx="1"/>
+          </p:nvPr>
+        </p:nvSpPr>
+        <p:spPr/>
+        <p:txBody>
+          <a:bodyPr/>
+          <a:lstStyle/>
+          <a:p>
+            <a:endParaRPr lang="en-US"/>
+          </a:p>
+        </p:txBody>
+      </p:sp>
+    </p:spTree>
+    <p:extLst>
+      <p:ext uri="{BB962C8B-B14F-4D97-AF65-F5344CB8AC3E}">
+        <p14:creationId xmlns:p14="http://schemas.microsoft.com/office/powerpoint/2010/main" val="1906067526"/>
+      </p:ext>
+    </p:extLst>
+  </p:cSld>
+  <p:clrMapOvr>
+    <a:masterClrMapping/>
+  </p:clrMapOvr>
+</p:sld>
+</file>
+
 <file path=ppt/theme/theme1.xml><?xml version="1.0" encoding="utf-8"?>
 <a:theme xmlns:a="http://schemas.openxmlformats.org/drawingml/2006/main" name="Office Theme">
   <a:themeElements>

--- a/git_worktree.pptx
+++ b/git_worktree.pptx
@@ -3806,87 +3806,82 @@
           <a:lstStyle/>
           <a:p>
             <a:r>
-              <a:rPr lang="en-US" dirty="0" err="1" smtClean="0"/>
+              <a:rPr lang="en-US" dirty="0" err="1"/>
               <a:t>git</a:t>
-            </a:r>
-            <a:r>
-              <a:rPr lang="en-US" dirty="0" smtClean="0"/>
-              <a:t> </a:t>
-            </a:r>
-            <a:r>
-              <a:rPr lang="en-US" dirty="0" err="1"/>
-              <a:t>w</a:t>
-            </a:r>
-            <a:r>
-              <a:rPr lang="en-US" dirty="0" err="1" smtClean="0"/>
-              <a:t>orktree</a:t>
-            </a:r>
-            <a:r>
-              <a:rPr lang="en-US" dirty="0" smtClean="0"/>
-              <a:t> add   </a:t>
-            </a:r>
-            <a:endParaRPr lang="en-US" dirty="0"/>
-          </a:p>
-        </p:txBody>
-      </p:sp>
-      <p:sp>
-        <p:nvSpPr>
-          <p:cNvPr id="5" name="Content Placeholder 4"/>
-          <p:cNvSpPr>
-            <a:spLocks noGrp="1"/>
-          </p:cNvSpPr>
-          <p:nvPr>
-            <p:ph idx="1"/>
-          </p:nvPr>
-        </p:nvSpPr>
-        <p:spPr/>
-        <p:txBody>
-          <a:bodyPr/>
-          <a:lstStyle/>
-          <a:p>
-            <a:r>
-              <a:rPr lang="en-US" dirty="0" smtClean="0"/>
-              <a:t>This command is used to create a new </a:t>
-            </a:r>
-            <a:r>
-              <a:rPr lang="en-US" dirty="0" err="1" smtClean="0"/>
-              <a:t>worktree</a:t>
-            </a:r>
-            <a:r>
-              <a:rPr lang="en-US" dirty="0" smtClean="0"/>
-              <a:t> in repository .</a:t>
-            </a:r>
-          </a:p>
-          <a:p>
-            <a:r>
-              <a:rPr lang="en-US" dirty="0" err="1" smtClean="0"/>
-              <a:t>Git</a:t>
             </a:r>
             <a:r>
               <a:rPr lang="en-US" dirty="0"/>
               <a:t> </a:t>
             </a:r>
             <a:r>
-              <a:rPr lang="en-US" dirty="0" err="1" smtClean="0"/>
+              <a:rPr lang="en-US" dirty="0" err="1"/>
               <a:t>worktree</a:t>
             </a:r>
             <a:r>
-              <a:rPr lang="en-US" dirty="0" smtClean="0"/>
+              <a:rPr lang="en-US" dirty="0"/>
+              <a:t> add   </a:t>
+            </a:r>
+          </a:p>
+        </p:txBody>
+      </p:sp>
+      <p:sp>
+        <p:nvSpPr>
+          <p:cNvPr id="5" name="Content Placeholder 4"/>
+          <p:cNvSpPr>
+            <a:spLocks noGrp="1"/>
+          </p:cNvSpPr>
+          <p:nvPr>
+            <p:ph idx="1"/>
+          </p:nvPr>
+        </p:nvSpPr>
+        <p:spPr/>
+        <p:txBody>
+          <a:bodyPr/>
+          <a:lstStyle/>
+          <a:p>
+            <a:r>
+              <a:rPr lang="en-US" dirty="0"/>
+              <a:t>This command is used to create a new </a:t>
+            </a:r>
+            <a:r>
+              <a:rPr lang="en-US" dirty="0" err="1"/>
+              <a:t>worktree</a:t>
+            </a:r>
+            <a:r>
+              <a:rPr lang="en-US" dirty="0"/>
+              <a:t> in repository .</a:t>
+            </a:r>
+          </a:p>
+          <a:p>
+            <a:r>
+              <a:rPr lang="en-US" dirty="0" err="1"/>
+              <a:t>Git</a:t>
+            </a:r>
+            <a:r>
+              <a:rPr lang="en-US" dirty="0"/>
+              <a:t> </a:t>
+            </a:r>
+            <a:r>
+              <a:rPr lang="en-US" dirty="0" err="1"/>
+              <a:t>worktree</a:t>
+            </a:r>
+            <a:r>
+              <a:rPr lang="en-US" dirty="0"/>
               <a:t> add </a:t>
             </a:r>
             <a:r>
-              <a:rPr lang="en-US" dirty="0" err="1" smtClean="0"/>
+              <a:rPr lang="en-US" dirty="0" err="1"/>
               <a:t>new_worktree</a:t>
             </a:r>
             <a:r>
-              <a:rPr lang="en-US" dirty="0" smtClean="0"/>
+              <a:rPr lang="en-US" dirty="0"/>
               <a:t>  </a:t>
             </a:r>
             <a:r>
-              <a:rPr lang="en-US" dirty="0" err="1" smtClean="0"/>
+              <a:rPr lang="en-US" dirty="0" err="1"/>
               <a:t>branch_name</a:t>
             </a:r>
-            <a:endParaRPr lang="en-US" dirty="0" smtClean="0"/>
+            <a:endParaRPr lang="en-US" dirty="0"/>
           </a:p>
           <a:p>
             <a:endParaRPr lang="en-US" dirty="0"/>
@@ -3955,7 +3950,13 @@
       </p:grpSpPr>
       <p:sp>
         <p:nvSpPr>
-          <p:cNvPr id="2" name="Title 1"/>
+          <p:cNvPr id="4" name="Title 1">
+            <a:extLst>
+              <a:ext uri="{FF2B5EF4-FFF2-40B4-BE49-F238E27FC236}">
+                <a16:creationId xmlns:a16="http://schemas.microsoft.com/office/drawing/2014/main" id="{C684EFA0-5FB6-4B6D-B35E-F75410B423DD}"/>
+              </a:ext>
+            </a:extLst>
+          </p:cNvPr>
           <p:cNvSpPr>
             <a:spLocks noGrp="1"/>
           </p:cNvSpPr>
@@ -3963,34 +3964,122 @@
             <p:ph type="title"/>
           </p:nvPr>
         </p:nvSpPr>
-        <p:spPr/>
-        <p:txBody>
-          <a:bodyPr/>
-          <a:lstStyle/>
-          <a:p>
-            <a:endParaRPr lang="en-US" dirty="0"/>
-          </a:p>
-        </p:txBody>
-      </p:sp>
-      <p:sp>
-        <p:nvSpPr>
-          <p:cNvPr id="5" name="Content Placeholder 4"/>
-          <p:cNvSpPr>
-            <a:spLocks noGrp="1"/>
-          </p:cNvSpPr>
+        <p:spPr>
+          <a:xfrm>
+            <a:off x="838200" y="463599"/>
+            <a:ext cx="10515600" cy="1325563"/>
+          </a:xfrm>
+        </p:spPr>
+        <p:txBody>
+          <a:bodyPr/>
+          <a:lstStyle/>
+          <a:p>
+            <a:r>
+              <a:rPr lang="en-US" dirty="0"/>
+              <a:t>git </a:t>
+            </a:r>
+            <a:r>
+              <a:rPr lang="en-US" dirty="0" err="1"/>
+              <a:t>worktree</a:t>
+            </a:r>
+            <a:r>
+              <a:rPr lang="en-US" dirty="0"/>
+              <a:t> list</a:t>
+            </a:r>
+          </a:p>
+        </p:txBody>
+      </p:sp>
+      <p:sp>
+        <p:nvSpPr>
+          <p:cNvPr id="7" name="TextBox 6">
+            <a:extLst>
+              <a:ext uri="{FF2B5EF4-FFF2-40B4-BE49-F238E27FC236}">
+                <a16:creationId xmlns:a16="http://schemas.microsoft.com/office/drawing/2014/main" id="{256F9CA2-848B-467F-9174-50D46DEA670E}"/>
+              </a:ext>
+            </a:extLst>
+          </p:cNvPr>
+          <p:cNvSpPr txBox="1"/>
+          <p:nvPr/>
+        </p:nvSpPr>
+        <p:spPr>
+          <a:xfrm>
+            <a:off x="838200" y="2250831"/>
+            <a:ext cx="8615289" cy="1815882"/>
+          </a:xfrm>
+          <a:prstGeom prst="rect">
+            <a:avLst/>
+          </a:prstGeom>
+          <a:noFill/>
+        </p:spPr>
+        <p:txBody>
+          <a:bodyPr wrap="square" rtlCol="0">
+            <a:spAutoFit/>
+          </a:bodyPr>
+          <a:lstStyle/>
+          <a:p>
+            <a:pPr marL="285750" indent="-285750">
+              <a:buFont typeface="Arial" panose="020B0604020202020204" pitchFamily="34" charset="0"/>
+              <a:buChar char="•"/>
+            </a:pPr>
+            <a:r>
+              <a:rPr lang="en-IN" sz="2800" dirty="0"/>
+              <a:t>git </a:t>
+            </a:r>
+            <a:r>
+              <a:rPr lang="en-IN" sz="2800" dirty="0" err="1"/>
+              <a:t>worktree</a:t>
+            </a:r>
+            <a:r>
+              <a:rPr lang="en-IN" sz="2800" dirty="0"/>
+              <a:t> list [--porcelain</a:t>
+            </a:r>
+            <a:r>
+              <a:rPr lang="en-IN" dirty="0"/>
+              <a:t>]</a:t>
+            </a:r>
+          </a:p>
+          <a:p>
+            <a:pPr marL="285750" indent="-285750">
+              <a:buFont typeface="Arial" panose="020B0604020202020204" pitchFamily="34" charset="0"/>
+              <a:buChar char="•"/>
+            </a:pPr>
+            <a:r>
+              <a:rPr lang="en-US" sz="2800" dirty="0"/>
+              <a:t>List details of each working tree. The main working tree is listed first, followed by each of the linked working trees. </a:t>
+            </a:r>
+            <a:endParaRPr lang="en-IN" sz="2800" dirty="0"/>
+          </a:p>
+        </p:txBody>
+      </p:sp>
+      <p:pic>
+        <p:nvPicPr>
+          <p:cNvPr id="10" name="Content Placeholder 9" descr="Text&#10;&#10;Description automatically generated">
+            <a:extLst>
+              <a:ext uri="{FF2B5EF4-FFF2-40B4-BE49-F238E27FC236}">
+                <a16:creationId xmlns:a16="http://schemas.microsoft.com/office/drawing/2014/main" id="{D927442F-508B-448E-ABFE-453BA99A6F0E}"/>
+              </a:ext>
+            </a:extLst>
+          </p:cNvPr>
+          <p:cNvPicPr>
+            <a:picLocks noGrp="1" noChangeAspect="1"/>
+          </p:cNvPicPr>
           <p:nvPr>
             <p:ph idx="1"/>
           </p:nvPr>
-        </p:nvSpPr>
-        <p:spPr/>
-        <p:txBody>
-          <a:bodyPr/>
-          <a:lstStyle/>
-          <a:p>
-            <a:endParaRPr lang="en-US"/>
-          </a:p>
-        </p:txBody>
-      </p:sp>
+        </p:nvPicPr>
+        <p:blipFill>
+          <a:blip r:embed="rId2"/>
+          <a:stretch>
+            <a:fillRect/>
+          </a:stretch>
+        </p:blipFill>
+        <p:spPr>
+          <a:xfrm>
+            <a:off x="838200" y="4501397"/>
+            <a:ext cx="10515600" cy="1486971"/>
+          </a:xfrm>
+        </p:spPr>
+      </p:pic>
     </p:spTree>
     <p:extLst>
       <p:ext uri="{BB962C8B-B14F-4D97-AF65-F5344CB8AC3E}">

--- a/git_worktree.pptx
+++ b/git_worktree.pptx
@@ -10,6 +10,7 @@
     <p:sldId id="258" r:id="rId4"/>
     <p:sldId id="259" r:id="rId5"/>
     <p:sldId id="260" r:id="rId6"/>
+    <p:sldId id="261" r:id="rId7"/>
   </p:sldIdLst>
   <p:sldSz cx="12192000" cy="6858000"/>
   <p:notesSz cx="6858000" cy="9144000"/>
@@ -3682,62 +3683,6 @@
               <a:rPr lang="en-IN" i="1" dirty="0"/>
               <a:t> lock</a:t>
             </a:r>
-          </a:p>
-          <a:p>
-            <a:r>
-              <a:rPr lang="en-IN" i="1" dirty="0"/>
-              <a:t>git </a:t>
-            </a:r>
-            <a:r>
-              <a:rPr lang="en-IN" i="1" dirty="0" err="1"/>
-              <a:t>worktree</a:t>
-            </a:r>
-            <a:r>
-              <a:rPr lang="en-IN" i="1" dirty="0"/>
-              <a:t> move</a:t>
-            </a:r>
-          </a:p>
-          <a:p>
-            <a:r>
-              <a:rPr lang="en-IN" i="1" dirty="0"/>
-              <a:t>git </a:t>
-            </a:r>
-            <a:r>
-              <a:rPr lang="en-IN" i="1" dirty="0" err="1"/>
-              <a:t>worktree</a:t>
-            </a:r>
-            <a:r>
-              <a:rPr lang="en-IN" i="1" dirty="0"/>
-              <a:t> prune</a:t>
-            </a:r>
-          </a:p>
-          <a:p>
-            <a:r>
-              <a:rPr lang="en-IN" i="1" dirty="0"/>
-              <a:t>git </a:t>
-            </a:r>
-            <a:r>
-              <a:rPr lang="en-IN" i="1" dirty="0" err="1"/>
-              <a:t>worktree</a:t>
-            </a:r>
-            <a:r>
-              <a:rPr lang="en-IN" i="1" dirty="0"/>
-              <a:t> remove</a:t>
-            </a:r>
-          </a:p>
-          <a:p>
-            <a:r>
-              <a:rPr lang="en-IN" i="1" dirty="0"/>
-              <a:t>git </a:t>
-            </a:r>
-            <a:r>
-              <a:rPr lang="en-IN" i="1" dirty="0" err="1"/>
-              <a:t>worktree</a:t>
-            </a:r>
-            <a:r>
-              <a:rPr lang="en-IN" i="1" dirty="0"/>
-              <a:t> repair</a:t>
-            </a:r>
             <a:r>
               <a:rPr lang="en-IN" dirty="0"/>
               <a:t> </a:t>
@@ -3896,7 +3841,7 @@
           </p:cNvPicPr>
           <p:nvPr/>
         </p:nvPicPr>
-        <p:blipFill>
+        <p:blipFill rotWithShape="1">
           <a:blip r:embed="rId2">
             <a:extLst>
               <a:ext uri="{28A0092B-C50C-407E-A947-70E740481C1C}">
@@ -3904,14 +3849,13 @@
               </a:ext>
             </a:extLst>
           </a:blip>
-          <a:stretch>
-            <a:fillRect/>
-          </a:stretch>
+          <a:srcRect t="23646" b="10419"/>
+          <a:stretch/>
         </p:blipFill>
         <p:spPr>
           <a:xfrm>
-            <a:off x="1814945" y="3620241"/>
-            <a:ext cx="6557847" cy="2240232"/>
+            <a:off x="1814945" y="4149969"/>
+            <a:ext cx="6557847" cy="1477108"/>
           </a:xfrm>
           <a:prstGeom prst="rect">
             <a:avLst/>
@@ -4084,6 +4028,223 @@
     <p:extLst>
       <p:ext uri="{BB962C8B-B14F-4D97-AF65-F5344CB8AC3E}">
         <p14:creationId xmlns:p14="http://schemas.microsoft.com/office/powerpoint/2010/main" val="1906067526"/>
+      </p:ext>
+    </p:extLst>
+  </p:cSld>
+  <p:clrMapOvr>
+    <a:masterClrMapping/>
+  </p:clrMapOvr>
+</p:sld>
+</file>
+
+<file path=ppt/slides/slide6.xml><?xml version="1.0" encoding="utf-8"?>
+<p:sld xmlns:a="http://schemas.openxmlformats.org/drawingml/2006/main" xmlns:r="http://schemas.openxmlformats.org/officeDocument/2006/relationships" xmlns:p="http://schemas.openxmlformats.org/presentationml/2006/main">
+  <p:cSld>
+    <p:spTree>
+      <p:nvGrpSpPr>
+        <p:cNvPr id="1" name=""/>
+        <p:cNvGrpSpPr/>
+        <p:nvPr/>
+      </p:nvGrpSpPr>
+      <p:grpSpPr>
+        <a:xfrm>
+          <a:off x="0" y="0"/>
+          <a:ext cx="0" cy="0"/>
+          <a:chOff x="0" y="0"/>
+          <a:chExt cx="0" cy="0"/>
+        </a:xfrm>
+      </p:grpSpPr>
+      <p:sp>
+        <p:nvSpPr>
+          <p:cNvPr id="2" name="Title 1">
+            <a:extLst>
+              <a:ext uri="{FF2B5EF4-FFF2-40B4-BE49-F238E27FC236}">
+                <a16:creationId xmlns:a16="http://schemas.microsoft.com/office/drawing/2014/main" id="{ABFE3CFB-8467-4E6A-81AA-30D7085678A7}"/>
+              </a:ext>
+            </a:extLst>
+          </p:cNvPr>
+          <p:cNvSpPr>
+            <a:spLocks noGrp="1"/>
+          </p:cNvSpPr>
+          <p:nvPr>
+            <p:ph type="title"/>
+          </p:nvPr>
+        </p:nvSpPr>
+        <p:spPr/>
+        <p:txBody>
+          <a:bodyPr/>
+          <a:lstStyle/>
+          <a:p>
+            <a:r>
+              <a:rPr lang="en-US" dirty="0"/>
+              <a:t>git </a:t>
+            </a:r>
+            <a:r>
+              <a:rPr lang="en-US" dirty="0" err="1"/>
+              <a:t>worktree</a:t>
+            </a:r>
+            <a:r>
+              <a:rPr lang="en-US" dirty="0"/>
+              <a:t> lock</a:t>
+            </a:r>
+            <a:endParaRPr lang="en-IN" dirty="0"/>
+          </a:p>
+        </p:txBody>
+      </p:sp>
+      <p:sp>
+        <p:nvSpPr>
+          <p:cNvPr id="3" name="Content Placeholder 2">
+            <a:extLst>
+              <a:ext uri="{FF2B5EF4-FFF2-40B4-BE49-F238E27FC236}">
+                <a16:creationId xmlns:a16="http://schemas.microsoft.com/office/drawing/2014/main" id="{90A9FDC6-FDBA-46F7-B5E8-B092B8F36CB0}"/>
+              </a:ext>
+            </a:extLst>
+          </p:cNvPr>
+          <p:cNvSpPr>
+            <a:spLocks noGrp="1"/>
+          </p:cNvSpPr>
+          <p:nvPr>
+            <p:ph idx="1"/>
+          </p:nvPr>
+        </p:nvSpPr>
+        <p:spPr/>
+        <p:txBody>
+          <a:bodyPr/>
+          <a:lstStyle/>
+          <a:p>
+            <a:r>
+              <a:rPr lang="en-IN" dirty="0"/>
+              <a:t>git </a:t>
+            </a:r>
+            <a:r>
+              <a:rPr lang="en-IN" dirty="0" err="1"/>
+              <a:t>worktree</a:t>
+            </a:r>
+            <a:r>
+              <a:rPr lang="en-IN" dirty="0"/>
+              <a:t> used to lock the shared administrative file</a:t>
+            </a:r>
+          </a:p>
+          <a:p>
+            <a:r>
+              <a:rPr lang="en-IN" dirty="0"/>
+              <a:t>git </a:t>
+            </a:r>
+            <a:r>
+              <a:rPr lang="en-IN" dirty="0" err="1"/>
+              <a:t>worktee</a:t>
+            </a:r>
+            <a:r>
+              <a:rPr lang="en-IN" dirty="0"/>
+              <a:t> lock </a:t>
+            </a:r>
+            <a:r>
+              <a:rPr lang="en-IN" dirty="0" err="1"/>
+              <a:t>worktree_name</a:t>
+            </a:r>
+            <a:endParaRPr lang="en-IN" dirty="0"/>
+          </a:p>
+          <a:p>
+            <a:pPr marL="0" indent="0">
+              <a:buNone/>
+            </a:pPr>
+            <a:endParaRPr lang="en-IN" dirty="0"/>
+          </a:p>
+          <a:p>
+            <a:pPr marL="0" indent="0">
+              <a:buNone/>
+            </a:pPr>
+            <a:endParaRPr lang="en-IN" dirty="0"/>
+          </a:p>
+          <a:p>
+            <a:pPr marL="0" indent="0">
+              <a:buNone/>
+            </a:pPr>
+            <a:endParaRPr lang="en-IN" dirty="0"/>
+          </a:p>
+          <a:p>
+            <a:pPr marL="0" indent="0">
+              <a:buNone/>
+            </a:pPr>
+            <a:endParaRPr lang="en-IN" dirty="0"/>
+          </a:p>
+          <a:p>
+            <a:pPr marL="0" indent="0">
+              <a:buNone/>
+            </a:pPr>
+            <a:endParaRPr lang="en-IN" dirty="0"/>
+          </a:p>
+        </p:txBody>
+      </p:sp>
+      <p:pic>
+        <p:nvPicPr>
+          <p:cNvPr id="4" name="Content Placeholder 3">
+            <a:extLst>
+              <a:ext uri="{FF2B5EF4-FFF2-40B4-BE49-F238E27FC236}">
+                <a16:creationId xmlns:a16="http://schemas.microsoft.com/office/drawing/2014/main" id="{10110432-26F1-4593-A736-9CF33FC81B08}"/>
+              </a:ext>
+            </a:extLst>
+          </p:cNvPr>
+          <p:cNvPicPr>
+            <a:picLocks noChangeAspect="1"/>
+          </p:cNvPicPr>
+          <p:nvPr/>
+        </p:nvPicPr>
+        <p:blipFill rotWithShape="1">
+          <a:blip r:embed="rId2">
+            <a:extLst>
+              <a:ext uri="{28A0092B-C50C-407E-A947-70E740481C1C}">
+                <a14:useLocalDpi xmlns:a14="http://schemas.microsoft.com/office/drawing/2010/main" val="0"/>
+              </a:ext>
+            </a:extLst>
+          </a:blip>
+          <a:srcRect t="11567" b="73534"/>
+          <a:stretch/>
+        </p:blipFill>
+        <p:spPr>
+          <a:xfrm>
+            <a:off x="1113623" y="3061539"/>
+            <a:ext cx="4686954" cy="367462"/>
+          </a:xfrm>
+          <a:prstGeom prst="rect">
+            <a:avLst/>
+          </a:prstGeom>
+        </p:spPr>
+      </p:pic>
+      <p:pic>
+        <p:nvPicPr>
+          <p:cNvPr id="10" name="Picture 9">
+            <a:extLst>
+              <a:ext uri="{FF2B5EF4-FFF2-40B4-BE49-F238E27FC236}">
+                <a16:creationId xmlns:a16="http://schemas.microsoft.com/office/drawing/2014/main" id="{E5AE05BB-FF5D-47F7-BF3D-0B7372DF2F6E}"/>
+              </a:ext>
+            </a:extLst>
+          </p:cNvPr>
+          <p:cNvPicPr>
+            <a:picLocks noChangeAspect="1"/>
+          </p:cNvPicPr>
+          <p:nvPr/>
+        </p:nvPicPr>
+        <p:blipFill>
+          <a:blip r:embed="rId3"/>
+          <a:stretch>
+            <a:fillRect/>
+          </a:stretch>
+        </p:blipFill>
+        <p:spPr>
+          <a:xfrm>
+            <a:off x="1113623" y="3429001"/>
+            <a:ext cx="4686954" cy="1076325"/>
+          </a:xfrm>
+          <a:prstGeom prst="rect">
+            <a:avLst/>
+          </a:prstGeom>
+        </p:spPr>
+      </p:pic>
+    </p:spTree>
+    <p:extLst>
+      <p:ext uri="{BB962C8B-B14F-4D97-AF65-F5344CB8AC3E}">
+        <p14:creationId xmlns:p14="http://schemas.microsoft.com/office/powerpoint/2010/main" val="1983932171"/>
       </p:ext>
     </p:extLst>
   </p:cSld>

--- a/git_worktree.pptx
+++ b/git_worktree.pptx
@@ -11,6 +11,7 @@
     <p:sldId id="259" r:id="rId5"/>
     <p:sldId id="260" r:id="rId6"/>
     <p:sldId id="261" r:id="rId7"/>
+    <p:sldId id="264" r:id="rId8"/>
   </p:sldIdLst>
   <p:sldSz cx="12192000" cy="6858000"/>
   <p:notesSz cx="6858000" cy="9144000"/>
@@ -4254,6 +4255,187 @@
 </p:sld>
 </file>
 
+<file path=ppt/slides/slide7.xml><?xml version="1.0" encoding="utf-8"?>
+<p:sld xmlns:a="http://schemas.openxmlformats.org/drawingml/2006/main" xmlns:r="http://schemas.openxmlformats.org/officeDocument/2006/relationships" xmlns:p="http://schemas.openxmlformats.org/presentationml/2006/main">
+  <p:cSld>
+    <p:spTree>
+      <p:nvGrpSpPr>
+        <p:cNvPr id="1" name=""/>
+        <p:cNvGrpSpPr/>
+        <p:nvPr/>
+      </p:nvGrpSpPr>
+      <p:grpSpPr>
+        <a:xfrm>
+          <a:off x="0" y="0"/>
+          <a:ext cx="0" cy="0"/>
+          <a:chOff x="0" y="0"/>
+          <a:chExt cx="0" cy="0"/>
+        </a:xfrm>
+      </p:grpSpPr>
+      <p:sp>
+        <p:nvSpPr>
+          <p:cNvPr id="2" name="Title 1">
+            <a:extLst>
+              <a:ext uri="{FF2B5EF4-FFF2-40B4-BE49-F238E27FC236}">
+                <a16:creationId xmlns:a16="http://schemas.microsoft.com/office/drawing/2014/main" id="{F33E8A7A-07ED-4866-B15B-70B470DBD689}"/>
+              </a:ext>
+            </a:extLst>
+          </p:cNvPr>
+          <p:cNvSpPr>
+            <a:spLocks noGrp="1"/>
+          </p:cNvSpPr>
+          <p:nvPr>
+            <p:ph type="title"/>
+          </p:nvPr>
+        </p:nvSpPr>
+        <p:spPr/>
+        <p:txBody>
+          <a:bodyPr/>
+          <a:lstStyle/>
+          <a:p>
+            <a:r>
+              <a:rPr lang="en-IN" dirty="0"/>
+              <a:t>Git </a:t>
+            </a:r>
+            <a:r>
+              <a:rPr lang="en-IN" dirty="0" err="1"/>
+              <a:t>worktree</a:t>
+            </a:r>
+            <a:r>
+              <a:rPr lang="en-IN" dirty="0"/>
+              <a:t> unlock	</a:t>
+            </a:r>
+          </a:p>
+        </p:txBody>
+      </p:sp>
+      <p:sp>
+        <p:nvSpPr>
+          <p:cNvPr id="3" name="Content Placeholder 2">
+            <a:extLst>
+              <a:ext uri="{FF2B5EF4-FFF2-40B4-BE49-F238E27FC236}">
+                <a16:creationId xmlns:a16="http://schemas.microsoft.com/office/drawing/2014/main" id="{31591143-4F0A-4DB1-A25F-8AE6C43F643A}"/>
+              </a:ext>
+            </a:extLst>
+          </p:cNvPr>
+          <p:cNvSpPr>
+            <a:spLocks noGrp="1"/>
+          </p:cNvSpPr>
+          <p:nvPr>
+            <p:ph idx="1"/>
+          </p:nvPr>
+        </p:nvSpPr>
+        <p:spPr/>
+        <p:txBody>
+          <a:bodyPr/>
+          <a:lstStyle/>
+          <a:p>
+            <a:endParaRPr lang="en-US" dirty="0"/>
+          </a:p>
+          <a:p>
+            <a:r>
+              <a:rPr lang="en-US" dirty="0"/>
+              <a:t>Git </a:t>
+            </a:r>
+            <a:r>
+              <a:rPr lang="en-US" dirty="0" err="1"/>
+              <a:t>worktree</a:t>
+            </a:r>
+            <a:r>
+              <a:rPr lang="en-US" dirty="0"/>
+              <a:t> unlock : Unlocks a working tree, allowing it to be pruned, moved or deleted.</a:t>
+            </a:r>
+          </a:p>
+          <a:p>
+            <a:endParaRPr lang="en-IN" dirty="0"/>
+          </a:p>
+        </p:txBody>
+      </p:sp>
+      <p:pic>
+        <p:nvPicPr>
+          <p:cNvPr id="5" name="Content Placeholder 3">
+            <a:extLst>
+              <a:ext uri="{FF2B5EF4-FFF2-40B4-BE49-F238E27FC236}">
+                <a16:creationId xmlns:a16="http://schemas.microsoft.com/office/drawing/2014/main" id="{4EC15754-48D2-4975-AD19-34A26C191BB9}"/>
+              </a:ext>
+            </a:extLst>
+          </p:cNvPr>
+          <p:cNvPicPr>
+            <a:picLocks/>
+          </p:cNvPicPr>
+          <p:nvPr/>
+        </p:nvPicPr>
+        <p:blipFill rotWithShape="1">
+          <a:blip r:embed="rId2">
+            <a:extLst>
+              <a:ext uri="{28A0092B-C50C-407E-A947-70E740481C1C}">
+                <a14:useLocalDpi xmlns:a14="http://schemas.microsoft.com/office/drawing/2010/main" val="0"/>
+              </a:ext>
+            </a:extLst>
+          </a:blip>
+          <a:srcRect t="16268" b="61244"/>
+          <a:stretch/>
+        </p:blipFill>
+        <p:spPr bwMode="auto">
+          <a:xfrm>
+            <a:off x="2751242" y="3715535"/>
+            <a:ext cx="6689515" cy="571518"/>
+          </a:xfrm>
+          <a:prstGeom prst="rect">
+            <a:avLst/>
+          </a:prstGeom>
+          <a:ln>
+            <a:noFill/>
+          </a:ln>
+          <a:extLst>
+            <a:ext uri="{53640926-AAD7-44D8-BBD7-CCE9431645EC}">
+              <a14:shadowObscured xmlns:a14="http://schemas.microsoft.com/office/drawing/2010/main"/>
+            </a:ext>
+          </a:extLst>
+        </p:spPr>
+      </p:pic>
+      <p:pic>
+        <p:nvPicPr>
+          <p:cNvPr id="6" name="Picture 5">
+            <a:extLst>
+              <a:ext uri="{FF2B5EF4-FFF2-40B4-BE49-F238E27FC236}">
+                <a16:creationId xmlns:a16="http://schemas.microsoft.com/office/drawing/2014/main" id="{B8EA0670-D5E2-459E-B33F-6A359DFD358D}"/>
+              </a:ext>
+            </a:extLst>
+          </p:cNvPr>
+          <p:cNvPicPr>
+            <a:picLocks noChangeAspect="1"/>
+          </p:cNvPicPr>
+          <p:nvPr/>
+        </p:nvPicPr>
+        <p:blipFill>
+          <a:blip r:embed="rId3"/>
+          <a:stretch>
+            <a:fillRect/>
+          </a:stretch>
+        </p:blipFill>
+        <p:spPr>
+          <a:xfrm>
+            <a:off x="2751242" y="4556274"/>
+            <a:ext cx="6689515" cy="933450"/>
+          </a:xfrm>
+          <a:prstGeom prst="rect">
+            <a:avLst/>
+          </a:prstGeom>
+        </p:spPr>
+      </p:pic>
+    </p:spTree>
+    <p:extLst>
+      <p:ext uri="{BB962C8B-B14F-4D97-AF65-F5344CB8AC3E}">
+        <p14:creationId xmlns:p14="http://schemas.microsoft.com/office/powerpoint/2010/main" val="1459721098"/>
+      </p:ext>
+    </p:extLst>
+  </p:cSld>
+  <p:clrMapOvr>
+    <a:masterClrMapping/>
+  </p:clrMapOvr>
+</p:sld>
+</file>
+
 <file path=ppt/theme/theme1.xml><?xml version="1.0" encoding="utf-8"?>
 <a:theme xmlns:a="http://schemas.openxmlformats.org/drawingml/2006/main" name="Office Theme">
   <a:themeElements>
